--- a/Final_Project/Blue_Team_Assignment_11-2.pptx
+++ b/Final_Project/Blue_Team_Assignment_11-2.pptx
@@ -350,7 +350,7 @@
           <a:p>
             <a:fld id="{BD7CFBD1-0358-4DBD-A3C8-C700BA589B66}" type="datetimeFigureOut">
               <a:rPr lang="en-US" smtClean="0"/>
-              <a:t>12/18/2025</a:t>
+              <a:t>12/19/25</a:t>
             </a:fld>
             <a:endParaRPr lang="en-US"/>
           </a:p>
@@ -1122,7 +1122,7 @@
           <a:p>
             <a:fld id="{53BEF823-48A5-43FC-BE03-E79964288B41}" type="datetimeFigureOut">
               <a:rPr lang="en-US" smtClean="0"/>
-              <a:t>12/18/2025</a:t>
+              <a:t>12/19/25</a:t>
             </a:fld>
             <a:endParaRPr lang="en-US" dirty="0"/>
           </a:p>
@@ -1333,7 +1333,7 @@
             <a:fld id="{53BEF823-48A5-43FC-BE03-E79964288B41}" type="datetimeFigureOut">
               <a:rPr lang="en-US" smtClean="0"/>
               <a:pPr algn="r"/>
-              <a:t>12/18/2025</a:t>
+              <a:t>12/19/25</a:t>
             </a:fld>
             <a:endParaRPr lang="en-US" dirty="0"/>
           </a:p>
@@ -1548,7 +1548,7 @@
             <a:fld id="{53BEF823-48A5-43FC-BE03-E79964288B41}" type="datetimeFigureOut">
               <a:rPr lang="en-US" smtClean="0"/>
               <a:pPr algn="r"/>
-              <a:t>12/18/2025</a:t>
+              <a:t>12/19/25</a:t>
             </a:fld>
             <a:endParaRPr lang="en-US" dirty="0"/>
           </a:p>
@@ -1751,7 +1751,7 @@
             <a:fld id="{53BEF823-48A5-43FC-BE03-E79964288B41}" type="datetimeFigureOut">
               <a:rPr lang="en-US" smtClean="0"/>
               <a:pPr algn="r"/>
-              <a:t>12/18/2025</a:t>
+              <a:t>12/19/25</a:t>
             </a:fld>
             <a:endParaRPr lang="en-US" dirty="0"/>
           </a:p>
@@ -2035,7 +2035,7 @@
             <a:fld id="{53BEF823-48A5-43FC-BE03-E79964288B41}" type="datetimeFigureOut">
               <a:rPr lang="en-US" smtClean="0"/>
               <a:pPr algn="r"/>
-              <a:t>12/18/2025</a:t>
+              <a:t>12/19/25</a:t>
             </a:fld>
             <a:endParaRPr lang="en-US" dirty="0"/>
           </a:p>
@@ -2279,7 +2279,7 @@
             <a:fld id="{53BEF823-48A5-43FC-BE03-E79964288B41}" type="datetimeFigureOut">
               <a:rPr lang="en-US" smtClean="0"/>
               <a:pPr algn="r"/>
-              <a:t>12/18/2025</a:t>
+              <a:t>12/19/25</a:t>
             </a:fld>
             <a:endParaRPr lang="en-US" dirty="0"/>
           </a:p>
@@ -2722,7 +2722,7 @@
             <a:fld id="{53BEF823-48A5-43FC-BE03-E79964288B41}" type="datetimeFigureOut">
               <a:rPr lang="en-US" smtClean="0"/>
               <a:pPr algn="r"/>
-              <a:t>12/18/2025</a:t>
+              <a:t>12/19/25</a:t>
             </a:fld>
             <a:endParaRPr lang="en-US" dirty="0"/>
           </a:p>
@@ -2868,7 +2868,7 @@
             <a:fld id="{53BEF823-48A5-43FC-BE03-E79964288B41}" type="datetimeFigureOut">
               <a:rPr lang="en-US" smtClean="0"/>
               <a:pPr algn="r"/>
-              <a:t>12/18/2025</a:t>
+              <a:t>12/19/25</a:t>
             </a:fld>
             <a:endParaRPr lang="en-US" dirty="0"/>
           </a:p>
@@ -2986,7 +2986,7 @@
             <a:fld id="{53BEF823-48A5-43FC-BE03-E79964288B41}" type="datetimeFigureOut">
               <a:rPr lang="en-US" smtClean="0"/>
               <a:pPr algn="r"/>
-              <a:t>12/18/2025</a:t>
+              <a:t>12/19/25</a:t>
             </a:fld>
             <a:endParaRPr lang="en-US" dirty="0"/>
           </a:p>
@@ -3270,7 +3270,7 @@
             <a:fld id="{53BEF823-48A5-43FC-BE03-E79964288B41}" type="datetimeFigureOut">
               <a:rPr lang="en-US" smtClean="0"/>
               <a:pPr algn="r"/>
-              <a:t>12/18/2025</a:t>
+              <a:t>12/19/25</a:t>
             </a:fld>
             <a:endParaRPr lang="en-US" dirty="0"/>
           </a:p>
@@ -3565,7 +3565,7 @@
             <a:fld id="{53BEF823-48A5-43FC-BE03-E79964288B41}" type="datetimeFigureOut">
               <a:rPr lang="en-US" smtClean="0"/>
               <a:pPr algn="r"/>
-              <a:t>12/18/2025</a:t>
+              <a:t>12/19/25</a:t>
             </a:fld>
             <a:endParaRPr lang="en-US" dirty="0"/>
           </a:p>
@@ -4060,7 +4060,7 @@
             <a:fld id="{53BEF823-48A5-43FC-BE03-E79964288B41}" type="datetimeFigureOut">
               <a:rPr lang="en-US" smtClean="0"/>
               <a:pPr algn="r"/>
-              <a:t>12/18/2025</a:t>
+              <a:t>12/19/25</a:t>
             </a:fld>
             <a:endParaRPr lang="en-US" dirty="0"/>
           </a:p>
@@ -5073,12 +5073,104 @@
           </a:p>
         </p:txBody>
       </p:sp>
+      <p:sp>
+        <p:nvSpPr>
+          <p:cNvPr id="12" name="TextBox 11">
+            <a:extLst>
+              <a:ext uri="{FF2B5EF4-FFF2-40B4-BE49-F238E27FC236}">
+                <a16:creationId xmlns:a16="http://schemas.microsoft.com/office/drawing/2014/main" id="{06F552BB-E579-CEFA-4524-A94D046120C7}"/>
+              </a:ext>
+            </a:extLst>
+          </p:cNvPr>
+          <p:cNvSpPr txBox="1"/>
+          <p:nvPr/>
+        </p:nvSpPr>
+        <p:spPr>
+          <a:xfrm>
+            <a:off x="221070" y="1510249"/>
+            <a:ext cx="3972558" cy="2462213"/>
+          </a:xfrm>
+          <a:prstGeom prst="rect">
+            <a:avLst/>
+          </a:prstGeom>
+          <a:noFill/>
+        </p:spPr>
+        <p:txBody>
+          <a:bodyPr wrap="square" rtlCol="0">
+            <a:spAutoFit/>
+          </a:bodyPr>
+          <a:lstStyle/>
+          <a:p>
+            <a:r>
+              <a:rPr lang="en-US" sz="1400" dirty="0"/>
+              <a:t>This report was generated to show the average number of hours worked per quarter for each employee. This report uses a dataset for each quarter and a yearly average. </a:t>
+            </a:r>
+          </a:p>
+          <a:p>
+            <a:endParaRPr lang="en-US" sz="1400" dirty="0"/>
+          </a:p>
+          <a:p>
+            <a:r>
+              <a:rPr lang="en-US" sz="1400" dirty="0"/>
+              <a:t>The report shows the average hours worked per week over each quarter for the last year for all hourly employees with their department.</a:t>
+            </a:r>
+          </a:p>
+          <a:p>
+            <a:endParaRPr lang="en-US" sz="1400" dirty="0"/>
+          </a:p>
+          <a:p>
+            <a:r>
+              <a:rPr lang="en-US" sz="1400" dirty="0"/>
+              <a:t>This report is organized first by department, then by the employee’s last name.</a:t>
+            </a:r>
+          </a:p>
+        </p:txBody>
+      </p:sp>
+      <p:sp>
+        <p:nvSpPr>
+          <p:cNvPr id="14" name="TextBox 13">
+            <a:extLst>
+              <a:ext uri="{FF2B5EF4-FFF2-40B4-BE49-F238E27FC236}">
+                <a16:creationId xmlns:a16="http://schemas.microsoft.com/office/drawing/2014/main" id="{D52188C2-5F50-6D9E-415A-9573134B4E75}"/>
+              </a:ext>
+            </a:extLst>
+          </p:cNvPr>
+          <p:cNvSpPr txBox="1"/>
+          <p:nvPr/>
+        </p:nvSpPr>
+        <p:spPr>
+          <a:xfrm>
+            <a:off x="221070" y="4568311"/>
+            <a:ext cx="3972558" cy="1754326"/>
+          </a:xfrm>
+          <a:prstGeom prst="rect">
+            <a:avLst/>
+          </a:prstGeom>
+          <a:noFill/>
+        </p:spPr>
+        <p:txBody>
+          <a:bodyPr wrap="square" rtlCol="0">
+            <a:spAutoFit/>
+          </a:bodyPr>
+          <a:lstStyle/>
+          <a:p>
+            <a:r>
+              <a:rPr lang="en-US" b="1" u="sng" dirty="0"/>
+              <a:t>Use case</a:t>
+            </a:r>
+            <a:r>
+              <a:rPr lang="en-US" dirty="0"/>
+              <a:t>: Bacchus Winery can use this report to budget for payroll, monitor department productivity, and gain business insight based on the hours expended for each department.</a:t>
+            </a:r>
+          </a:p>
+        </p:txBody>
+      </p:sp>
       <p:pic>
         <p:nvPicPr>
-          <p:cNvPr id="4" name="Picture 3" descr="A screenshot of a computer program&#10;&#10;AI-generated content may be incorrect.">
-            <a:extLst>
-              <a:ext uri="{FF2B5EF4-FFF2-40B4-BE49-F238E27FC236}">
-                <a16:creationId xmlns:a16="http://schemas.microsoft.com/office/drawing/2014/main" id="{EEA6E54A-7679-A57B-B11F-C96F89CD2740}"/>
+          <p:cNvPr id="5" name="Picture 4" descr="A screenshot of a computer screen&#10;&#10;AI-generated content may be incorrect.">
+            <a:extLst>
+              <a:ext uri="{FF2B5EF4-FFF2-40B4-BE49-F238E27FC236}">
+                <a16:creationId xmlns:a16="http://schemas.microsoft.com/office/drawing/2014/main" id="{F23F8FF3-1BA8-FF20-DE1E-D3FC0EE29D43}"/>
               </a:ext>
             </a:extLst>
           </p:cNvPr>
@@ -5095,121 +5187,8 @@
         </p:blipFill>
         <p:spPr>
           <a:xfrm>
-            <a:off x="567973" y="3794235"/>
-            <a:ext cx="4832614" cy="2769521"/>
-          </a:xfrm>
-          <a:prstGeom prst="rect">
-            <a:avLst/>
-          </a:prstGeom>
-        </p:spPr>
-      </p:pic>
-      <p:sp>
-        <p:nvSpPr>
-          <p:cNvPr id="12" name="TextBox 11">
-            <a:extLst>
-              <a:ext uri="{FF2B5EF4-FFF2-40B4-BE49-F238E27FC236}">
-                <a16:creationId xmlns:a16="http://schemas.microsoft.com/office/drawing/2014/main" id="{06F552BB-E579-CEFA-4524-A94D046120C7}"/>
-              </a:ext>
-            </a:extLst>
-          </p:cNvPr>
-          <p:cNvSpPr txBox="1"/>
-          <p:nvPr/>
-        </p:nvSpPr>
-        <p:spPr>
-          <a:xfrm>
-            <a:off x="499876" y="1365125"/>
-            <a:ext cx="4963774" cy="2031325"/>
-          </a:xfrm>
-          <a:prstGeom prst="rect">
-            <a:avLst/>
-          </a:prstGeom>
-          <a:noFill/>
-        </p:spPr>
-        <p:txBody>
-          <a:bodyPr wrap="square" rtlCol="0">
-            <a:spAutoFit/>
-          </a:bodyPr>
-          <a:lstStyle/>
-          <a:p>
-            <a:r>
-              <a:rPr lang="en-US" sz="1400" dirty="0"/>
-              <a:t>This report was generated to show the average number of hours worked per quarter for each employee. This report uses a dataset for each quarter and a yearly average. </a:t>
-            </a:r>
-          </a:p>
-          <a:p>
-            <a:endParaRPr lang="en-US" sz="1400" dirty="0"/>
-          </a:p>
-          <a:p>
-            <a:r>
-              <a:rPr lang="en-US" sz="1400" dirty="0"/>
-              <a:t>Two outputs are produced: the first is a list of each employee’s ID, followed by their name and average hours worked; The other report shows the average hours worked per week over each quarter for the last year for all hourly employees with their department.</a:t>
-            </a:r>
-          </a:p>
-        </p:txBody>
-      </p:sp>
-      <p:sp>
-        <p:nvSpPr>
-          <p:cNvPr id="14" name="TextBox 13">
-            <a:extLst>
-              <a:ext uri="{FF2B5EF4-FFF2-40B4-BE49-F238E27FC236}">
-                <a16:creationId xmlns:a16="http://schemas.microsoft.com/office/drawing/2014/main" id="{D52188C2-5F50-6D9E-415A-9573134B4E75}"/>
-              </a:ext>
-            </a:extLst>
-          </p:cNvPr>
-          <p:cNvSpPr txBox="1"/>
-          <p:nvPr/>
-        </p:nvSpPr>
-        <p:spPr>
-          <a:xfrm>
-            <a:off x="5633544" y="4884706"/>
-            <a:ext cx="5349765" cy="1200329"/>
-          </a:xfrm>
-          <a:prstGeom prst="rect">
-            <a:avLst/>
-          </a:prstGeom>
-          <a:noFill/>
-        </p:spPr>
-        <p:txBody>
-          <a:bodyPr wrap="square" rtlCol="0">
-            <a:spAutoFit/>
-          </a:bodyPr>
-          <a:lstStyle/>
-          <a:p>
-            <a:r>
-              <a:rPr lang="en-US" b="1" u="sng" dirty="0"/>
-              <a:t>Use case</a:t>
-            </a:r>
-            <a:r>
-              <a:rPr lang="en-US" dirty="0"/>
-              <a:t>: Bacchus Winery can use this report to budget for payroll, monitor department productivity, and gain business insight based on the hours expended for each department.</a:t>
-            </a:r>
-          </a:p>
-        </p:txBody>
-      </p:sp>
-      <p:pic>
-        <p:nvPicPr>
-          <p:cNvPr id="5" name="Picture 4" descr="A screenshot of a computer screen&#10;&#10;AI-generated content may be incorrect.">
-            <a:extLst>
-              <a:ext uri="{FF2B5EF4-FFF2-40B4-BE49-F238E27FC236}">
-                <a16:creationId xmlns:a16="http://schemas.microsoft.com/office/drawing/2014/main" id="{F23F8FF3-1BA8-FF20-DE1E-D3FC0EE29D43}"/>
-              </a:ext>
-            </a:extLst>
-          </p:cNvPr>
-          <p:cNvPicPr>
-            <a:picLocks noChangeAspect="1"/>
-          </p:cNvPicPr>
-          <p:nvPr/>
-        </p:nvPicPr>
-        <p:blipFill>
-          <a:blip r:embed="rId3"/>
-          <a:stretch>
-            <a:fillRect/>
-          </a:stretch>
-        </p:blipFill>
-        <p:spPr>
-          <a:xfrm>
-            <a:off x="5633544" y="1011474"/>
-            <a:ext cx="6404958" cy="3581548"/>
+            <a:off x="4298731" y="1300893"/>
+            <a:ext cx="7771302" cy="4345585"/>
           </a:xfrm>
           <a:prstGeom prst="rect">
             <a:avLst/>
@@ -5917,8 +5896,8 @@
         </p:blipFill>
         <p:spPr>
           <a:xfrm>
-            <a:off x="6178603" y="1700645"/>
-            <a:ext cx="4966321" cy="4777880"/>
+            <a:off x="6336213" y="1765080"/>
+            <a:ext cx="4899345" cy="4713445"/>
           </a:xfrm>
           <a:prstGeom prst="rect">
             <a:avLst/>
@@ -6288,7 +6267,7 @@
           <a:p>
             <a:r>
               <a:rPr lang="en-US" dirty="0"/>
-              <a:t>We thought it would be challenging to find a time that worked for all of us to meet and work on the project together, since we all have busy lives and jobs (and none of us are on the same schedule), however, we were able to meet consistently and communicate with ease.  </a:t>
+              <a:t>We thought it would be challenging to find a time that worked for all of us to meet and work on the project together, since we all have busy lives and jobs (and none of us are on the same schedule), however, we were able to meet consistently and communicate with ease.</a:t>
             </a:r>
           </a:p>
         </p:txBody>

--- a/Final_Project/Blue_Team_Assignment_11-2.pptx
+++ b/Final_Project/Blue_Team_Assignment_11-2.pptx
@@ -350,7 +350,7 @@
           <a:p>
             <a:fld id="{BD7CFBD1-0358-4DBD-A3C8-C700BA589B66}" type="datetimeFigureOut">
               <a:rPr lang="en-US" smtClean="0"/>
-              <a:t>12/19/25</a:t>
+              <a:t>12/21/25</a:t>
             </a:fld>
             <a:endParaRPr lang="en-US"/>
           </a:p>
@@ -1122,7 +1122,7 @@
           <a:p>
             <a:fld id="{53BEF823-48A5-43FC-BE03-E79964288B41}" type="datetimeFigureOut">
               <a:rPr lang="en-US" smtClean="0"/>
-              <a:t>12/19/25</a:t>
+              <a:t>12/21/25</a:t>
             </a:fld>
             <a:endParaRPr lang="en-US" dirty="0"/>
           </a:p>
@@ -1333,7 +1333,7 @@
             <a:fld id="{53BEF823-48A5-43FC-BE03-E79964288B41}" type="datetimeFigureOut">
               <a:rPr lang="en-US" smtClean="0"/>
               <a:pPr algn="r"/>
-              <a:t>12/19/25</a:t>
+              <a:t>12/21/25</a:t>
             </a:fld>
             <a:endParaRPr lang="en-US" dirty="0"/>
           </a:p>
@@ -1548,7 +1548,7 @@
             <a:fld id="{53BEF823-48A5-43FC-BE03-E79964288B41}" type="datetimeFigureOut">
               <a:rPr lang="en-US" smtClean="0"/>
               <a:pPr algn="r"/>
-              <a:t>12/19/25</a:t>
+              <a:t>12/21/25</a:t>
             </a:fld>
             <a:endParaRPr lang="en-US" dirty="0"/>
           </a:p>
@@ -1751,7 +1751,7 @@
             <a:fld id="{53BEF823-48A5-43FC-BE03-E79964288B41}" type="datetimeFigureOut">
               <a:rPr lang="en-US" smtClean="0"/>
               <a:pPr algn="r"/>
-              <a:t>12/19/25</a:t>
+              <a:t>12/21/25</a:t>
             </a:fld>
             <a:endParaRPr lang="en-US" dirty="0"/>
           </a:p>
@@ -2035,7 +2035,7 @@
             <a:fld id="{53BEF823-48A5-43FC-BE03-E79964288B41}" type="datetimeFigureOut">
               <a:rPr lang="en-US" smtClean="0"/>
               <a:pPr algn="r"/>
-              <a:t>12/19/25</a:t>
+              <a:t>12/21/25</a:t>
             </a:fld>
             <a:endParaRPr lang="en-US" dirty="0"/>
           </a:p>
@@ -2279,7 +2279,7 @@
             <a:fld id="{53BEF823-48A5-43FC-BE03-E79964288B41}" type="datetimeFigureOut">
               <a:rPr lang="en-US" smtClean="0"/>
               <a:pPr algn="r"/>
-              <a:t>12/19/25</a:t>
+              <a:t>12/21/25</a:t>
             </a:fld>
             <a:endParaRPr lang="en-US" dirty="0"/>
           </a:p>
@@ -2722,7 +2722,7 @@
             <a:fld id="{53BEF823-48A5-43FC-BE03-E79964288B41}" type="datetimeFigureOut">
               <a:rPr lang="en-US" smtClean="0"/>
               <a:pPr algn="r"/>
-              <a:t>12/19/25</a:t>
+              <a:t>12/21/25</a:t>
             </a:fld>
             <a:endParaRPr lang="en-US" dirty="0"/>
           </a:p>
@@ -2868,7 +2868,7 @@
             <a:fld id="{53BEF823-48A5-43FC-BE03-E79964288B41}" type="datetimeFigureOut">
               <a:rPr lang="en-US" smtClean="0"/>
               <a:pPr algn="r"/>
-              <a:t>12/19/25</a:t>
+              <a:t>12/21/25</a:t>
             </a:fld>
             <a:endParaRPr lang="en-US" dirty="0"/>
           </a:p>
@@ -2986,7 +2986,7 @@
             <a:fld id="{53BEF823-48A5-43FC-BE03-E79964288B41}" type="datetimeFigureOut">
               <a:rPr lang="en-US" smtClean="0"/>
               <a:pPr algn="r"/>
-              <a:t>12/19/25</a:t>
+              <a:t>12/21/25</a:t>
             </a:fld>
             <a:endParaRPr lang="en-US" dirty="0"/>
           </a:p>
@@ -3270,7 +3270,7 @@
             <a:fld id="{53BEF823-48A5-43FC-BE03-E79964288B41}" type="datetimeFigureOut">
               <a:rPr lang="en-US" smtClean="0"/>
               <a:pPr algn="r"/>
-              <a:t>12/19/25</a:t>
+              <a:t>12/21/25</a:t>
             </a:fld>
             <a:endParaRPr lang="en-US" dirty="0"/>
           </a:p>
@@ -3565,7 +3565,7 @@
             <a:fld id="{53BEF823-48A5-43FC-BE03-E79964288B41}" type="datetimeFigureOut">
               <a:rPr lang="en-US" smtClean="0"/>
               <a:pPr algn="r"/>
-              <a:t>12/19/25</a:t>
+              <a:t>12/21/25</a:t>
             </a:fld>
             <a:endParaRPr lang="en-US" dirty="0"/>
           </a:p>
@@ -4060,7 +4060,7 @@
             <a:fld id="{53BEF823-48A5-43FC-BE03-E79964288B41}" type="datetimeFigureOut">
               <a:rPr lang="en-US" smtClean="0"/>
               <a:pPr algn="r"/>
-              <a:t>12/19/25</a:t>
+              <a:t>12/21/25</a:t>
             </a:fld>
             <a:endParaRPr lang="en-US" dirty="0"/>
           </a:p>
@@ -5052,7 +5052,7 @@
         </p:nvSpPr>
         <p:spPr>
           <a:xfrm>
-            <a:off x="221070" y="83901"/>
+            <a:off x="1723987" y="172469"/>
             <a:ext cx="8744026" cy="830500"/>
           </a:xfrm>
         </p:spPr>
